--- a/ADK.pptx
+++ b/ADK.pptx
@@ -10700,6 +10700,22 @@
                 <a:cs typeface="Courier New" panose="02070309020205020404" pitchFamily="49" charset="0"/>
               </a:rPr>
               <a:t> for one assessment.</a:t>
+            </a:r>
+          </a:p>
+          <a:p>
+            <a:pPr marL="342900" indent="-342900" algn="l">
+              <a:spcBef>
+                <a:spcPts val="0"/>
+              </a:spcBef>
+              <a:buFont typeface="Arial" panose="020B0604020202020204" pitchFamily="34" charset="0"/>
+              <a:buChar char="•"/>
+            </a:pPr>
+            <a:r>
+              <a:rPr lang="en-US" altLang="zh-TW" dirty="0">
+                <a:latin typeface="Courier New" panose="02070309020205020404" pitchFamily="49" charset="0"/>
+                <a:cs typeface="Courier New" panose="02070309020205020404" pitchFamily="49" charset="0"/>
+              </a:rPr>
+              <a:t>One job could include multiple assessments</a:t>
             </a:r>
           </a:p>
         </p:txBody>

--- a/ADK.pptx
+++ b/ADK.pptx
@@ -218,7 +218,7 @@
           <a:p>
             <a:fld id="{9E095F26-633F-4564-B85E-E583F671A7C0}" type="datetimeFigureOut">
               <a:rPr lang="en-US" smtClean="0"/>
-              <a:t>4/21/2020</a:t>
+              <a:t>4/27/2020</a:t>
             </a:fld>
             <a:endParaRPr lang="en-US"/>
           </a:p>
@@ -671,7 +671,7 @@
             <a:fld id="{8E36636D-D922-432D-A958-524484B5923D}" type="datetimeFigureOut">
               <a:rPr lang="en-US" dirty="0"/>
               <a:pPr/>
-              <a:t>4/21/2020</a:t>
+              <a:t>4/27/2020</a:t>
             </a:fld>
             <a:endParaRPr lang="en-US" dirty="0"/>
           </a:p>
@@ -965,7 +965,7 @@
           <a:p>
             <a:fld id="{48A87A34-81AB-432B-8DAE-1953F412C126}" type="datetimeFigureOut">
               <a:rPr lang="en-US" dirty="0"/>
-              <a:t>4/21/2020</a:t>
+              <a:t>4/27/2020</a:t>
             </a:fld>
             <a:endParaRPr lang="en-US" dirty="0"/>
           </a:p>
@@ -1152,7 +1152,7 @@
           <a:p>
             <a:fld id="{48A87A34-81AB-432B-8DAE-1953F412C126}" type="datetimeFigureOut">
               <a:rPr lang="en-US" dirty="0"/>
-              <a:t>4/21/2020</a:t>
+              <a:t>4/27/2020</a:t>
             </a:fld>
             <a:endParaRPr lang="en-US" dirty="0"/>
           </a:p>
@@ -1408,7 +1408,7 @@
           <a:p>
             <a:fld id="{48A87A34-81AB-432B-8DAE-1953F412C126}" type="datetimeFigureOut">
               <a:rPr lang="en-US" dirty="0"/>
-              <a:t>4/21/2020</a:t>
+              <a:t>4/27/2020</a:t>
             </a:fld>
             <a:endParaRPr lang="en-US" dirty="0"/>
           </a:p>
@@ -1827,7 +1827,7 @@
           <a:p>
             <a:fld id="{48A87A34-81AB-432B-8DAE-1953F412C126}" type="datetimeFigureOut">
               <a:rPr lang="en-US" dirty="0"/>
-              <a:t>4/21/2020</a:t>
+              <a:t>4/27/2020</a:t>
             </a:fld>
             <a:endParaRPr lang="en-US" dirty="0"/>
           </a:p>
@@ -2359,7 +2359,7 @@
           <a:p>
             <a:fld id="{48A87A34-81AB-432B-8DAE-1953F412C126}" type="datetimeFigureOut">
               <a:rPr lang="en-US" dirty="0"/>
-              <a:t>4/21/2020</a:t>
+              <a:t>4/27/2020</a:t>
             </a:fld>
             <a:endParaRPr lang="en-US" dirty="0"/>
           </a:p>
@@ -3218,7 +3218,7 @@
           <a:p>
             <a:fld id="{48A87A34-81AB-432B-8DAE-1953F412C126}" type="datetimeFigureOut">
               <a:rPr lang="en-US" dirty="0"/>
-              <a:t>4/21/2020</a:t>
+              <a:t>4/27/2020</a:t>
             </a:fld>
             <a:endParaRPr lang="en-US" dirty="0"/>
           </a:p>
@@ -3384,7 +3384,7 @@
             <a:fld id="{8E36636D-D922-432D-A958-524484B5923D}" type="datetimeFigureOut">
               <a:rPr lang="en-US" dirty="0"/>
               <a:pPr/>
-              <a:t>4/21/2020</a:t>
+              <a:t>4/27/2020</a:t>
             </a:fld>
             <a:endParaRPr lang="en-US" dirty="0"/>
           </a:p>
@@ -3565,7 +3565,7 @@
             <a:fld id="{8E36636D-D922-432D-A958-524484B5923D}" type="datetimeFigureOut">
               <a:rPr lang="en-US" dirty="0"/>
               <a:pPr/>
-              <a:t>4/21/2020</a:t>
+              <a:t>4/27/2020</a:t>
             </a:fld>
             <a:endParaRPr lang="en-US" dirty="0"/>
           </a:p>
@@ -3732,7 +3732,7 @@
             <a:fld id="{8E36636D-D922-432D-A958-524484B5923D}" type="datetimeFigureOut">
               <a:rPr lang="en-US" dirty="0"/>
               <a:pPr/>
-              <a:t>4/21/2020</a:t>
+              <a:t>4/27/2020</a:t>
             </a:fld>
             <a:endParaRPr lang="en-US" dirty="0"/>
           </a:p>
@@ -3973,7 +3973,7 @@
             <a:fld id="{8E36636D-D922-432D-A958-524484B5923D}" type="datetimeFigureOut">
               <a:rPr lang="en-US" dirty="0"/>
               <a:pPr/>
-              <a:t>4/21/2020</a:t>
+              <a:t>4/27/2020</a:t>
             </a:fld>
             <a:endParaRPr lang="en-US" dirty="0"/>
           </a:p>
@@ -4206,7 +4206,7 @@
             <a:fld id="{8E36636D-D922-432D-A958-524484B5923D}" type="datetimeFigureOut">
               <a:rPr lang="en-US" dirty="0"/>
               <a:pPr/>
-              <a:t>4/21/2020</a:t>
+              <a:t>4/27/2020</a:t>
             </a:fld>
             <a:endParaRPr lang="en-US" dirty="0"/>
           </a:p>
@@ -4669,7 +4669,7 @@
             <a:fld id="{8E36636D-D922-432D-A958-524484B5923D}" type="datetimeFigureOut">
               <a:rPr lang="en-US" dirty="0"/>
               <a:pPr/>
-              <a:t>4/21/2020</a:t>
+              <a:t>4/27/2020</a:t>
             </a:fld>
             <a:endParaRPr lang="en-US" dirty="0"/>
           </a:p>
@@ -4784,7 +4784,7 @@
             <a:fld id="{8E36636D-D922-432D-A958-524484B5923D}" type="datetimeFigureOut">
               <a:rPr lang="en-US" dirty="0"/>
               <a:pPr/>
-              <a:t>4/21/2020</a:t>
+              <a:t>4/27/2020</a:t>
             </a:fld>
             <a:endParaRPr lang="en-US" dirty="0"/>
           </a:p>
@@ -4876,7 +4876,7 @@
             <a:fld id="{8E36636D-D922-432D-A958-524484B5923D}" type="datetimeFigureOut">
               <a:rPr lang="en-US" dirty="0"/>
               <a:pPr/>
-              <a:t>4/21/2020</a:t>
+              <a:t>4/27/2020</a:t>
             </a:fld>
             <a:endParaRPr lang="en-US" dirty="0"/>
           </a:p>
@@ -5128,7 +5128,7 @@
             <a:fld id="{8E36636D-D922-432D-A958-524484B5923D}" type="datetimeFigureOut">
               <a:rPr lang="en-US" dirty="0"/>
               <a:pPr/>
-              <a:t>4/21/2020</a:t>
+              <a:t>4/27/2020</a:t>
             </a:fld>
             <a:endParaRPr lang="en-US" dirty="0"/>
           </a:p>
@@ -5425,7 +5425,7 @@
             <a:fld id="{8E36636D-D922-432D-A958-524484B5923D}" type="datetimeFigureOut">
               <a:rPr lang="en-US" dirty="0"/>
               <a:pPr/>
-              <a:t>4/21/2020</a:t>
+              <a:t>4/27/2020</a:t>
             </a:fld>
             <a:endParaRPr lang="en-US" dirty="0"/>
           </a:p>
@@ -5656,7 +5656,7 @@
             <a:fld id="{8E36636D-D922-432D-A958-524484B5923D}" type="datetimeFigureOut">
               <a:rPr lang="en-US" dirty="0"/>
               <a:pPr/>
-              <a:t>4/21/2020</a:t>
+              <a:t>4/27/2020</a:t>
             </a:fld>
             <a:endParaRPr lang="en-US" dirty="0"/>
           </a:p>
@@ -10470,10 +10470,9 @@
           <a:lstStyle/>
           <a:p>
             <a:r>
-              <a:rPr lang="zh-TW" altLang="en-US" dirty="0"/>
-              <a:t>安裝</a:t>
-            </a:r>
-            <a:endParaRPr lang="en-US" dirty="0"/>
+              <a:rPr lang="en-US" dirty="0"/>
+              <a:t>Installation</a:t>
+            </a:r>
           </a:p>
         </p:txBody>
       </p:sp>
@@ -10623,12 +10622,6 @@
               </a:rPr>
               <a:t>x86</a:t>
             </a:r>
-            <a:br>
-              <a:rPr lang="en-US" altLang="zh-TW" dirty="0">
-                <a:latin typeface="Courier New" panose="02070309020205020404" pitchFamily="49" charset="0"/>
-                <a:cs typeface="Courier New" panose="02070309020205020404" pitchFamily="49" charset="0"/>
-              </a:rPr>
-            </a:br>
             <a:br>
               <a:rPr lang="en-US" altLang="zh-TW" dirty="0">
                 <a:latin typeface="Courier New" panose="02070309020205020404" pitchFamily="49" charset="0"/>
@@ -11111,7 +11104,7 @@
         <p:spPr/>
         <p:txBody>
           <a:bodyPr>
-            <a:normAutofit fontScale="92500" lnSpcReduction="20000"/>
+            <a:normAutofit lnSpcReduction="10000"/>
           </a:bodyPr>
           <a:lstStyle/>
           <a:p>
@@ -11271,70 +11264,6 @@
               </a:rPr>
               <a:t>Run Razzle</a:t>
             </a:r>
-          </a:p>
-          <a:p>
-            <a:r>
-              <a:rPr lang="en-US" sz="1400" dirty="0" err="1">
-                <a:latin typeface="Courier New" panose="02070309020205020404" pitchFamily="49" charset="0"/>
-                <a:cs typeface="Courier New" panose="02070309020205020404" pitchFamily="49" charset="0"/>
-              </a:rPr>
-              <a:t>msiexec</a:t>
-            </a:r>
-            <a:r>
-              <a:rPr lang="en-US" sz="1400" dirty="0">
-                <a:latin typeface="Courier New" panose="02070309020205020404" pitchFamily="49" charset="0"/>
-                <a:cs typeface="Courier New" panose="02070309020205020404" pitchFamily="49" charset="0"/>
-              </a:rPr>
-              <a:t> /a &lt;</a:t>
-            </a:r>
-            <a:r>
-              <a:rPr lang="en-US" sz="1400" dirty="0" err="1">
-                <a:latin typeface="Courier New" panose="02070309020205020404" pitchFamily="49" charset="0"/>
-                <a:cs typeface="Courier New" panose="02070309020205020404" pitchFamily="49" charset="0"/>
-              </a:rPr>
-              <a:t>pathToMsiFile</a:t>
-            </a:r>
-            <a:r>
-              <a:rPr lang="en-US" sz="1400" dirty="0">
-                <a:latin typeface="Courier New" panose="02070309020205020404" pitchFamily="49" charset="0"/>
-                <a:cs typeface="Courier New" panose="02070309020205020404" pitchFamily="49" charset="0"/>
-              </a:rPr>
-              <a:t>&gt; /</a:t>
-            </a:r>
-            <a:r>
-              <a:rPr lang="en-US" sz="1400" dirty="0" err="1">
-                <a:latin typeface="Courier New" panose="02070309020205020404" pitchFamily="49" charset="0"/>
-                <a:cs typeface="Courier New" panose="02070309020205020404" pitchFamily="49" charset="0"/>
-              </a:rPr>
-              <a:t>qb</a:t>
-            </a:r>
-            <a:r>
-              <a:rPr lang="en-US" sz="1400" dirty="0">
-                <a:latin typeface="Courier New" panose="02070309020205020404" pitchFamily="49" charset="0"/>
-                <a:cs typeface="Courier New" panose="02070309020205020404" pitchFamily="49" charset="0"/>
-              </a:rPr>
-              <a:t> TARGETDIR=&lt;</a:t>
-            </a:r>
-            <a:r>
-              <a:rPr lang="en-US" sz="1400" dirty="0" err="1">
-                <a:latin typeface="Courier New" panose="02070309020205020404" pitchFamily="49" charset="0"/>
-                <a:cs typeface="Courier New" panose="02070309020205020404" pitchFamily="49" charset="0"/>
-              </a:rPr>
-              <a:t>pathToTargetFolder</a:t>
-            </a:r>
-            <a:r>
-              <a:rPr lang="en-US" sz="1400" dirty="0">
-                <a:latin typeface="Courier New" panose="02070309020205020404" pitchFamily="49" charset="0"/>
-                <a:cs typeface="Courier New" panose="02070309020205020404" pitchFamily="49" charset="0"/>
-              </a:rPr>
-              <a:t>&gt;</a:t>
-            </a:r>
-          </a:p>
-          <a:p>
-            <a:endParaRPr lang="en-US" sz="1400" dirty="0">
-              <a:latin typeface="Courier New" panose="02070309020205020404" pitchFamily="49" charset="0"/>
-              <a:cs typeface="Courier New" panose="02070309020205020404" pitchFamily="49" charset="0"/>
-            </a:endParaRPr>
           </a:p>
         </p:txBody>
       </p:sp>
@@ -11384,14 +11313,21 @@
             <p:ph type="title"/>
           </p:nvPr>
         </p:nvSpPr>
-        <p:spPr/>
-        <p:txBody>
-          <a:bodyPr/>
+        <p:spPr>
+          <a:xfrm>
+            <a:off x="561860" y="609600"/>
+            <a:ext cx="11027885" cy="970450"/>
+          </a:xfrm>
+        </p:spPr>
+        <p:txBody>
+          <a:bodyPr>
+            <a:normAutofit/>
+          </a:bodyPr>
           <a:lstStyle/>
           <a:p>
             <a:r>
               <a:rPr lang="en-US" dirty="0"/>
-              <a:t>Windows Performance Tool</a:t>
+              <a:t>Decide Windows Performance Tool needed files</a:t>
             </a:r>
           </a:p>
         </p:txBody>
@@ -11412,7 +11348,12 @@
             <p:ph idx="1"/>
           </p:nvPr>
         </p:nvSpPr>
-        <p:spPr/>
+        <p:spPr>
+          <a:xfrm>
+            <a:off x="418641" y="1732449"/>
+            <a:ext cx="11281273" cy="4058751"/>
+          </a:xfrm>
+        </p:spPr>
         <p:txBody>
           <a:bodyPr>
             <a:normAutofit/>
@@ -11420,67 +11361,203 @@
           <a:lstStyle/>
           <a:p>
             <a:r>
-              <a:rPr lang="en-US" sz="1400">
-                <a:latin typeface="Courier New" panose="02070309020205020404" pitchFamily="49" charset="0"/>
-                <a:cs typeface="Courier New" panose="02070309020205020404" pitchFamily="49" charset="0"/>
-              </a:rPr>
-              <a:t>msiexec</a:t>
-            </a:r>
-            <a:r>
               <a:rPr lang="en-US" sz="1400" dirty="0">
                 <a:latin typeface="Courier New" panose="02070309020205020404" pitchFamily="49" charset="0"/>
                 <a:cs typeface="Courier New" panose="02070309020205020404" pitchFamily="49" charset="0"/>
               </a:rPr>
-              <a:t> /a &lt;</a:t>
-            </a:r>
-            <a:r>
-              <a:rPr lang="en-US" sz="1400" dirty="0" err="1">
-                <a:latin typeface="Courier New" panose="02070309020205020404" pitchFamily="49" charset="0"/>
-                <a:cs typeface="Courier New" panose="02070309020205020404" pitchFamily="49" charset="0"/>
-              </a:rPr>
-              <a:t>pathToMsiFile</a:t>
-            </a:r>
+              <a:t>Run Job to collect performance data</a:t>
+            </a:r>
+          </a:p>
+          <a:p>
             <a:r>
               <a:rPr lang="en-US" sz="1400" dirty="0">
                 <a:latin typeface="Courier New" panose="02070309020205020404" pitchFamily="49" charset="0"/>
                 <a:cs typeface="Courier New" panose="02070309020205020404" pitchFamily="49" charset="0"/>
               </a:rPr>
-              <a:t>&gt; /</a:t>
-            </a:r>
-            <a:r>
-              <a:rPr lang="en-US" sz="1400" dirty="0" err="1">
-                <a:latin typeface="Courier New" panose="02070309020205020404" pitchFamily="49" charset="0"/>
-                <a:cs typeface="Courier New" panose="02070309020205020404" pitchFamily="49" charset="0"/>
-              </a:rPr>
-              <a:t>qb</a:t>
-            </a:r>
-            <a:r>
-              <a:rPr lang="en-US" sz="1400" dirty="0">
-                <a:latin typeface="Courier New" panose="02070309020205020404" pitchFamily="49" charset="0"/>
-                <a:cs typeface="Courier New" panose="02070309020205020404" pitchFamily="49" charset="0"/>
-              </a:rPr>
-              <a:t> TARGETDIR=&lt;</a:t>
-            </a:r>
-            <a:r>
-              <a:rPr lang="en-US" sz="1400" dirty="0" err="1">
-                <a:latin typeface="Courier New" panose="02070309020205020404" pitchFamily="49" charset="0"/>
-                <a:cs typeface="Courier New" panose="02070309020205020404" pitchFamily="49" charset="0"/>
-              </a:rPr>
-              <a:t>pathToTargetFolder</a:t>
-            </a:r>
-            <a:r>
-              <a:rPr lang="en-US" sz="1400" dirty="0">
-                <a:latin typeface="Courier New" panose="02070309020205020404" pitchFamily="49" charset="0"/>
-                <a:cs typeface="Courier New" panose="02070309020205020404" pitchFamily="49" charset="0"/>
-              </a:rPr>
-              <a:t>&gt;</a:t>
-            </a:r>
-          </a:p>
-          <a:p>
-            <a:endParaRPr lang="en-US" sz="1400" dirty="0">
+              <a:t>Please collect</a:t>
+            </a:r>
+          </a:p>
+          <a:p>
+            <a:pPr lvl="1"/>
+            <a:r>
+              <a:rPr lang="en-US" sz="1200" dirty="0" err="1">
+                <a:latin typeface="Courier New" panose="02070309020205020404" pitchFamily="49" charset="0"/>
+                <a:cs typeface="Courier New" panose="02070309020205020404" pitchFamily="49" charset="0"/>
+              </a:rPr>
+              <a:t>etl</a:t>
+            </a:r>
+            <a:endParaRPr lang="en-US" sz="1200" dirty="0">
               <a:latin typeface="Courier New" panose="02070309020205020404" pitchFamily="49" charset="0"/>
               <a:cs typeface="Courier New" panose="02070309020205020404" pitchFamily="49" charset="0"/>
             </a:endParaRPr>
+          </a:p>
+          <a:p>
+            <a:pPr lvl="1"/>
+            <a:r>
+              <a:rPr lang="en-US" sz="1200" dirty="0">
+                <a:latin typeface="Courier New" panose="02070309020205020404" pitchFamily="49" charset="0"/>
+                <a:cs typeface="Courier New" panose="02070309020205020404" pitchFamily="49" charset="0"/>
+              </a:rPr>
+              <a:t>regions.xml</a:t>
+            </a:r>
+          </a:p>
+          <a:p>
+            <a:pPr lvl="1"/>
+            <a:r>
+              <a:rPr lang="en-US" sz="1200" dirty="0" err="1">
+                <a:latin typeface="Courier New" panose="02070309020205020404" pitchFamily="49" charset="0"/>
+                <a:cs typeface="Courier New" panose="02070309020205020404" pitchFamily="49" charset="0"/>
+              </a:rPr>
+              <a:t>wpaProfile</a:t>
+            </a:r>
+            <a:endParaRPr lang="en-US" sz="1200" dirty="0">
+              <a:latin typeface="Courier New" panose="02070309020205020404" pitchFamily="49" charset="0"/>
+              <a:cs typeface="Courier New" panose="02070309020205020404" pitchFamily="49" charset="0"/>
+            </a:endParaRPr>
+          </a:p>
+          <a:p>
+            <a:pPr lvl="1"/>
+            <a:r>
+              <a:rPr lang="en-US" sz="1200" dirty="0">
+                <a:latin typeface="Courier New" panose="02070309020205020404" pitchFamily="49" charset="0"/>
+                <a:cs typeface="Courier New" panose="02070309020205020404" pitchFamily="49" charset="0"/>
+              </a:rPr>
+              <a:t>RawPerformanceDataMapping.xml</a:t>
+            </a:r>
+          </a:p>
+          <a:p>
+            <a:r>
+              <a:rPr lang="en-US" sz="1400" dirty="0">
+                <a:latin typeface="Courier New" panose="02070309020205020404" pitchFamily="49" charset="0"/>
+                <a:cs typeface="Courier New" panose="02070309020205020404" pitchFamily="49" charset="0"/>
+              </a:rPr>
+              <a:t>Post process script is in the universal\cabs\amd64\Microsoft.Windows.Performance.Winperf.External.cab</a:t>
+            </a:r>
+          </a:p>
+          <a:p>
+            <a:r>
+              <a:rPr lang="en-US" sz="1400" dirty="0">
+                <a:latin typeface="Courier New" panose="02070309020205020404" pitchFamily="49" charset="0"/>
+                <a:cs typeface="Courier New" panose="02070309020205020404" pitchFamily="49" charset="0"/>
+              </a:rPr>
+              <a:t>Extract the post process files </a:t>
+            </a:r>
+          </a:p>
+          <a:p>
+            <a:r>
+              <a:rPr lang="en-US" sz="1400" dirty="0">
+                <a:latin typeface="Courier New" panose="02070309020205020404" pitchFamily="49" charset="0"/>
+                <a:cs typeface="Courier New" panose="02070309020205020404" pitchFamily="49" charset="0"/>
+              </a:rPr>
+              <a:t>WPT is from \\winbuilds\release\&lt;branch&gt;\&lt;build&gt;\Other\kit_bundles\wpt\Installers\*.msi</a:t>
+            </a:r>
+            <a:br>
+              <a:rPr lang="en-US" sz="1400" dirty="0">
+                <a:latin typeface="Courier New" panose="02070309020205020404" pitchFamily="49" charset="0"/>
+                <a:cs typeface="Courier New" panose="02070309020205020404" pitchFamily="49" charset="0"/>
+              </a:rPr>
+            </a:br>
+            <a:r>
+              <a:rPr lang="en-US" sz="1400" dirty="0">
+                <a:latin typeface="Courier New" panose="02070309020205020404" pitchFamily="49" charset="0"/>
+                <a:cs typeface="Courier New" panose="02070309020205020404" pitchFamily="49" charset="0"/>
+              </a:rPr>
+              <a:t>For example,</a:t>
+            </a:r>
+            <a:br>
+              <a:rPr lang="en-US" sz="1400" dirty="0">
+                <a:latin typeface="Courier New" panose="02070309020205020404" pitchFamily="49" charset="0"/>
+                <a:cs typeface="Courier New" panose="02070309020205020404" pitchFamily="49" charset="0"/>
+              </a:rPr>
+            </a:br>
+            <a:r>
+              <a:rPr lang="en-US" sz="1400" dirty="0">
+                <a:latin typeface="Courier New" panose="02070309020205020404" pitchFamily="49" charset="0"/>
+                <a:cs typeface="Courier New" panose="02070309020205020404" pitchFamily="49" charset="0"/>
+              </a:rPr>
+              <a:t>\\winbuilds\release\RS_PRERELEASE\19615.1000.200421-1420\Other\kit_bundles\wpt\Installers\</a:t>
+            </a:r>
+          </a:p>
+          <a:p>
+            <a:r>
+              <a:rPr lang="en-US" sz="1400" dirty="0" err="1">
+                <a:latin typeface="Courier New" panose="02070309020205020404" pitchFamily="49" charset="0"/>
+                <a:cs typeface="Courier New" panose="02070309020205020404" pitchFamily="49" charset="0"/>
+              </a:rPr>
+              <a:t>msiexec</a:t>
+            </a:r>
+            <a:r>
+              <a:rPr lang="en-US" sz="1400" dirty="0">
+                <a:latin typeface="Courier New" panose="02070309020205020404" pitchFamily="49" charset="0"/>
+                <a:cs typeface="Courier New" panose="02070309020205020404" pitchFamily="49" charset="0"/>
+              </a:rPr>
+              <a:t> /a &lt;</a:t>
+            </a:r>
+            <a:r>
+              <a:rPr lang="en-US" sz="1400" dirty="0" err="1">
+                <a:latin typeface="Courier New" panose="02070309020205020404" pitchFamily="49" charset="0"/>
+                <a:cs typeface="Courier New" panose="02070309020205020404" pitchFamily="49" charset="0"/>
+              </a:rPr>
+              <a:t>pathToMsiFile</a:t>
+            </a:r>
+            <a:r>
+              <a:rPr lang="en-US" sz="1400" dirty="0">
+                <a:latin typeface="Courier New" panose="02070309020205020404" pitchFamily="49" charset="0"/>
+                <a:cs typeface="Courier New" panose="02070309020205020404" pitchFamily="49" charset="0"/>
+              </a:rPr>
+              <a:t>&gt; /</a:t>
+            </a:r>
+            <a:r>
+              <a:rPr lang="en-US" sz="1400" dirty="0" err="1">
+                <a:latin typeface="Courier New" panose="02070309020205020404" pitchFamily="49" charset="0"/>
+                <a:cs typeface="Courier New" panose="02070309020205020404" pitchFamily="49" charset="0"/>
+              </a:rPr>
+              <a:t>qb</a:t>
+            </a:r>
+            <a:r>
+              <a:rPr lang="en-US" sz="1400" dirty="0">
+                <a:latin typeface="Courier New" panose="02070309020205020404" pitchFamily="49" charset="0"/>
+                <a:cs typeface="Courier New" panose="02070309020205020404" pitchFamily="49" charset="0"/>
+              </a:rPr>
+              <a:t> TARGETDIR=&lt;</a:t>
+            </a:r>
+            <a:r>
+              <a:rPr lang="en-US" sz="1400" dirty="0" err="1">
+                <a:latin typeface="Courier New" panose="02070309020205020404" pitchFamily="49" charset="0"/>
+                <a:cs typeface="Courier New" panose="02070309020205020404" pitchFamily="49" charset="0"/>
+              </a:rPr>
+              <a:t>pathToTargetFolder</a:t>
+            </a:r>
+            <a:r>
+              <a:rPr lang="en-US" sz="1400" dirty="0">
+                <a:latin typeface="Courier New" panose="02070309020205020404" pitchFamily="49" charset="0"/>
+                <a:cs typeface="Courier New" panose="02070309020205020404" pitchFamily="49" charset="0"/>
+              </a:rPr>
+              <a:t>&gt;</a:t>
+            </a:r>
+          </a:p>
+          <a:p>
+            <a:r>
+              <a:rPr lang="en-US" sz="1400" dirty="0">
+                <a:latin typeface="Courier New" panose="02070309020205020404" pitchFamily="49" charset="0"/>
+                <a:cs typeface="Courier New" panose="02070309020205020404" pitchFamily="49" charset="0"/>
+              </a:rPr>
+              <a:t>We expand WPT from the </a:t>
+            </a:r>
+            <a:r>
+              <a:rPr lang="en-US" sz="1400" dirty="0" err="1">
+                <a:latin typeface="Courier New" panose="02070309020205020404" pitchFamily="49" charset="0"/>
+                <a:cs typeface="Courier New" panose="02070309020205020404" pitchFamily="49" charset="0"/>
+              </a:rPr>
+              <a:t>msi</a:t>
+            </a:r>
+            <a:r>
+              <a:rPr lang="en-US" sz="1400" dirty="0">
+                <a:latin typeface="Courier New" panose="02070309020205020404" pitchFamily="49" charset="0"/>
+                <a:cs typeface="Courier New" panose="02070309020205020404" pitchFamily="49" charset="0"/>
+              </a:rPr>
+              <a:t> and remove unneeded file one by one</a:t>
+            </a:r>
           </a:p>
         </p:txBody>
       </p:sp>
@@ -13402,13 +13479,14 @@
           <a:lstStyle/>
           <a:p>
             <a:r>
+              <a:rPr lang="en-US" dirty="0"/>
+              <a:t>Debug from </a:t>
+            </a:r>
+            <a:r>
               <a:rPr lang="en-US" dirty="0" err="1"/>
               <a:t>Powershell</a:t>
             </a:r>
-            <a:r>
-              <a:rPr lang="en-US" dirty="0"/>
-              <a:t> Debug</a:t>
-            </a:r>
+            <a:endParaRPr lang="en-US" dirty="0"/>
           </a:p>
         </p:txBody>
       </p:sp>
@@ -13436,9 +13514,72 @@
         </p:spPr>
         <p:txBody>
           <a:bodyPr>
-            <a:normAutofit/>
+            <a:normAutofit lnSpcReduction="10000"/>
           </a:bodyPr>
           <a:lstStyle/>
+          <a:p>
+            <a:r>
+              <a:rPr lang="en-US" sz="1600" dirty="0">
+                <a:latin typeface="Courier New" panose="02070309020205020404" pitchFamily="49" charset="0"/>
+                <a:cs typeface="Courier New" panose="02070309020205020404" pitchFamily="49" charset="0"/>
+              </a:rPr>
+              <a:t>A package job is started from RunJob.cmd, please check this file.</a:t>
+            </a:r>
+          </a:p>
+          <a:p>
+            <a:pPr lvl="1"/>
+            <a:r>
+              <a:rPr lang="en-US" sz="1400" dirty="0">
+                <a:latin typeface="Courier New" panose="02070309020205020404" pitchFamily="49" charset="0"/>
+                <a:cs typeface="Courier New" panose="02070309020205020404" pitchFamily="49" charset="0"/>
+              </a:rPr>
+              <a:t>If not ARM, start "" "%~dp0%PROCESSOR_ARCHITECTURE%\AXE.exe" "%~dp0</a:t>
+            </a:r>
+            <a:r>
+              <a:rPr lang="en-US" sz="1400" b="1" dirty="0">
+                <a:solidFill>
+                  <a:srgbClr val="00B050"/>
+                </a:solidFill>
+                <a:latin typeface="Courier New" panose="02070309020205020404" pitchFamily="49" charset="0"/>
+                <a:cs typeface="Courier New" panose="02070309020205020404" pitchFamily="49" charset="0"/>
+              </a:rPr>
+              <a:t>Job.xml</a:t>
+            </a:r>
+            <a:r>
+              <a:rPr lang="en-US" sz="1400" dirty="0">
+                <a:latin typeface="Courier New" panose="02070309020205020404" pitchFamily="49" charset="0"/>
+                <a:cs typeface="Courier New" panose="02070309020205020404" pitchFamily="49" charset="0"/>
+              </a:rPr>
+              <a:t>“</a:t>
+            </a:r>
+          </a:p>
+          <a:p>
+            <a:pPr lvl="1"/>
+            <a:r>
+              <a:rPr lang="en-US" sz="1400" dirty="0">
+                <a:latin typeface="Courier New" panose="02070309020205020404" pitchFamily="49" charset="0"/>
+                <a:cs typeface="Courier New" panose="02070309020205020404" pitchFamily="49" charset="0"/>
+              </a:rPr>
+              <a:t>If ARM, start "" "%~dp0%PROCESSOR_ARCHITECTURE%\AL.exe" "%~dp0</a:t>
+            </a:r>
+            <a:r>
+              <a:rPr lang="en-US" sz="1400" b="1" dirty="0">
+                <a:solidFill>
+                  <a:srgbClr val="00B050"/>
+                </a:solidFill>
+                <a:latin typeface="Courier New" panose="02070309020205020404" pitchFamily="49" charset="0"/>
+                <a:cs typeface="Courier New" panose="02070309020205020404" pitchFamily="49" charset="0"/>
+              </a:rPr>
+              <a:t>Job.xml</a:t>
+            </a:r>
+            <a:r>
+              <a:rPr lang="en-US" sz="1400" dirty="0">
+                <a:latin typeface="Courier New" panose="02070309020205020404" pitchFamily="49" charset="0"/>
+                <a:cs typeface="Courier New" panose="02070309020205020404" pitchFamily="49" charset="0"/>
+              </a:rPr>
+              <a:t>"</a:t>
+            </a:r>
+          </a:p>
           <a:p>
             <a:r>
               <a:rPr lang="en-US" sz="1600" dirty="0">
@@ -13601,7 +13742,7 @@
                 <a:latin typeface="Courier New" panose="02070309020205020404" pitchFamily="49" charset="0"/>
                 <a:cs typeface="Courier New" panose="02070309020205020404" pitchFamily="49" charset="0"/>
               </a:rPr>
-              <a:t>\v1.0\powershell.exe == 32-bit powershell.exe</a:t>
+              <a:t>\v1.0\powershell.exe == SysWOW64 32-bit powershell.exe</a:t>
             </a:r>
           </a:p>
           <a:p>
@@ -14371,15 +14512,6 @@
 </file>
 
 <file path=customXml/item1.xml><?xml version="1.0" encoding="utf-8"?>
-<?mso-contentType ?>
-<FormTemplates xmlns="http://schemas.microsoft.com/sharepoint/v3/contenttype/forms">
-  <Display>DocumentLibraryForm</Display>
-  <Edit>DocumentLibraryForm</Edit>
-  <New>DocumentLibraryForm</New>
-</FormTemplates>
-</file>
-
-<file path=customXml/item2.xml><?xml version="1.0" encoding="utf-8"?>
 <ct:contentTypeSchema xmlns:ct="http://schemas.microsoft.com/office/2006/metadata/contentType" xmlns:ma="http://schemas.microsoft.com/office/2006/metadata/properties/metaAttributes" ct:_="" ma:_="" ma:contentTypeName="Document" ma:contentTypeID="0x0101004D63FE6916634947B53A223223127A7D" ma:contentTypeVersion="2" ma:contentTypeDescription="Create a new document." ma:contentTypeScope="" ma:versionID="d0604ca9bc8e81a00563416e3f10055c">
   <xsd:schema xmlns:xsd="http://www.w3.org/2001/XMLSchema" xmlns:xs="http://www.w3.org/2001/XMLSchema" xmlns:p="http://schemas.microsoft.com/office/2006/metadata/properties" xmlns:ns3="8334de96-96af-4a82-8d87-933f304e8461" targetNamespace="http://schemas.microsoft.com/office/2006/metadata/properties" ma:root="true" ma:fieldsID="fd94e03ab4ace4500eb83c3c06fbea6d" ns3:_="">
     <xsd:import namespace="8334de96-96af-4a82-8d87-933f304e8461"/>
@@ -14511,6 +14643,15 @@
 </ct:contentTypeSchema>
 </file>
 
+<file path=customXml/item2.xml><?xml version="1.0" encoding="utf-8"?>
+<?mso-contentType ?>
+<FormTemplates xmlns="http://schemas.microsoft.com/sharepoint/v3/contenttype/forms">
+  <Display>DocumentLibraryForm</Display>
+  <Edit>DocumentLibraryForm</Edit>
+  <New>DocumentLibraryForm</New>
+</FormTemplates>
+</file>
+
 <file path=customXml/item3.xml><?xml version="1.0" encoding="utf-8"?>
 <p:properties xmlns:p="http://schemas.microsoft.com/office/2006/metadata/properties" xmlns:xsi="http://www.w3.org/2001/XMLSchema-instance" xmlns:pc="http://schemas.microsoft.com/office/infopath/2007/PartnerControls">
   <documentManagement/>
@@ -14518,14 +14659,6 @@
 </file>
 
 <file path=customXml/itemProps1.xml><?xml version="1.0" encoding="utf-8"?>
-<ds:datastoreItem xmlns:ds="http://schemas.openxmlformats.org/officeDocument/2006/customXml" ds:itemID="{72C7E206-98DE-4FC1-A2E2-2854D35018BC}">
-  <ds:schemaRefs>
-    <ds:schemaRef ds:uri="http://schemas.microsoft.com/sharepoint/v3/contenttype/forms"/>
-  </ds:schemaRefs>
-</ds:datastoreItem>
-</file>
-
-<file path=customXml/itemProps2.xml><?xml version="1.0" encoding="utf-8"?>
 <ds:datastoreItem xmlns:ds="http://schemas.openxmlformats.org/officeDocument/2006/customXml" ds:itemID="{2EDFCF9A-CF0B-403A-8345-1BA2DCA02AF0}">
   <ds:schemaRefs>
     <ds:schemaRef ds:uri="http://schemas.microsoft.com/office/2006/metadata/contentType"/>
@@ -14543,6 +14676,14 @@
 </ds:datastoreItem>
 </file>
 
+<file path=customXml/itemProps2.xml><?xml version="1.0" encoding="utf-8"?>
+<ds:datastoreItem xmlns:ds="http://schemas.openxmlformats.org/officeDocument/2006/customXml" ds:itemID="{72C7E206-98DE-4FC1-A2E2-2854D35018BC}">
+  <ds:schemaRefs>
+    <ds:schemaRef ds:uri="http://schemas.microsoft.com/sharepoint/v3/contenttype/forms"/>
+  </ds:schemaRefs>
+</ds:datastoreItem>
+</file>
+
 <file path=customXml/itemProps3.xml><?xml version="1.0" encoding="utf-8"?>
 <ds:datastoreItem xmlns:ds="http://schemas.openxmlformats.org/officeDocument/2006/customXml" ds:itemID="{2F8C9F32-7161-48C3-9855-9C15C43F57C7}">
   <ds:schemaRefs>
